--- a/Lesson3/PIDFControl.pptx
+++ b/Lesson3/PIDFControl.pptx
@@ -14761,6 +14761,13 @@
             <a:r>
               <a:rPr lang="en-US" dirty="0"/>
               <a:t>Power Compensation</a:t>
+            </a:r>
+          </a:p>
+          <a:p>
+            <a:pPr lvl="1"/>
+            <a:r>
+              <a:rPr lang="en-US" dirty="0"/>
+              <a:t>PID Controller</a:t>
             </a:r>
           </a:p>
         </p:txBody>
